--- a/Presentaties/Week 1/Lectures & Lesroosters Inleiding.pptx
+++ b/Presentaties/Week 1/Lectures & Lesroosters Inleiding.pptx
@@ -7,8 +7,9 @@
   <p:sldIdLst>
     <p:sldId id="257" r:id="rId2"/>
     <p:sldId id="258" r:id="rId3"/>
-    <p:sldId id="260" r:id="rId4"/>
-    <p:sldId id="259" r:id="rId5"/>
+    <p:sldId id="261" r:id="rId4"/>
+    <p:sldId id="263" r:id="rId5"/>
+    <p:sldId id="259" r:id="rId6"/>
   </p:sldIdLst>
   <p:sldSz cx="12192000" cy="6858000"/>
   <p:notesSz cx="6858000" cy="9144000"/>
@@ -107,6 +108,11 @@
       </a:defRPr>
     </a:lvl9pPr>
   </p:defaultTextStyle>
+  <p:extLst>
+    <p:ext uri="{EFAFB233-063F-42B5-8137-9DF3F51BA10A}">
+      <p15:sldGuideLst xmlns:p15="http://schemas.microsoft.com/office/powerpoint/2012/main"/>
+    </p:ext>
+  </p:extLst>
 </p:presentation>
 </file>
 
@@ -3879,7 +3885,7 @@
           <p:cNvPr id="2" name="Title 1">
             <a:extLst>
               <a:ext uri="{FF2B5EF4-FFF2-40B4-BE49-F238E27FC236}">
-                <a16:creationId xmlns:a16="http://schemas.microsoft.com/office/drawing/2014/main" id="{164497E8-84EE-49FB-821E-5F56A2009DF5}"/>
+                <a16:creationId xmlns:a16="http://schemas.microsoft.com/office/drawing/2014/main" id="{60883363-400D-4C7E-9120-EA06A15CECBB}"/>
               </a:ext>
             </a:extLst>
           </p:cNvPr>
@@ -3904,7 +3910,7 @@
           <p:cNvPr id="3" name="Content Placeholder 2">
             <a:extLst>
               <a:ext uri="{FF2B5EF4-FFF2-40B4-BE49-F238E27FC236}">
-                <a16:creationId xmlns:a16="http://schemas.microsoft.com/office/drawing/2014/main" id="{32451F74-129F-489B-818A-72CA69CF597A}"/>
+                <a16:creationId xmlns:a16="http://schemas.microsoft.com/office/drawing/2014/main" id="{A5949A8A-46D3-43A3-88E6-4631F6D7F3E4}"/>
               </a:ext>
             </a:extLst>
           </p:cNvPr>
@@ -3927,7 +3933,7 @@
     </p:spTree>
     <p:extLst>
       <p:ext uri="{BB962C8B-B14F-4D97-AF65-F5344CB8AC3E}">
-        <p14:creationId xmlns:p14="http://schemas.microsoft.com/office/powerpoint/2010/main" val="4123264447"/>
+        <p14:creationId xmlns:p14="http://schemas.microsoft.com/office/powerpoint/2010/main" val="189499768"/>
       </p:ext>
     </p:extLst>
   </p:cSld>
@@ -3938,6 +3944,126 @@
 </file>
 
 <file path=ppt/slides/slide4.xml><?xml version="1.0" encoding="utf-8"?>
+<p:sld xmlns:a="http://schemas.openxmlformats.org/drawingml/2006/main" xmlns:r="http://schemas.openxmlformats.org/officeDocument/2006/relationships" xmlns:p="http://schemas.openxmlformats.org/presentationml/2006/main">
+  <p:cSld>
+    <p:spTree>
+      <p:nvGrpSpPr>
+        <p:cNvPr id="1" name=""/>
+        <p:cNvGrpSpPr/>
+        <p:nvPr/>
+      </p:nvGrpSpPr>
+      <p:grpSpPr>
+        <a:xfrm>
+          <a:off x="0" y="0"/>
+          <a:ext cx="0" cy="0"/>
+          <a:chOff x="0" y="0"/>
+          <a:chExt cx="0" cy="0"/>
+        </a:xfrm>
+      </p:grpSpPr>
+      <p:sp>
+        <p:nvSpPr>
+          <p:cNvPr id="2" name="Title 1">
+            <a:extLst>
+              <a:ext uri="{FF2B5EF4-FFF2-40B4-BE49-F238E27FC236}">
+                <a16:creationId xmlns:a16="http://schemas.microsoft.com/office/drawing/2014/main" id="{460B92D0-C3FC-4816-BD32-0EB0C8AE980D}"/>
+              </a:ext>
+            </a:extLst>
+          </p:cNvPr>
+          <p:cNvSpPr>
+            <a:spLocks noGrp="1"/>
+          </p:cNvSpPr>
+          <p:nvPr>
+            <p:ph type="title"/>
+          </p:nvPr>
+        </p:nvSpPr>
+        <p:spPr>
+          <a:xfrm>
+            <a:off x="1371600" y="685800"/>
+            <a:ext cx="5311833" cy="1014214"/>
+          </a:xfrm>
+        </p:spPr>
+        <p:txBody>
+          <a:bodyPr/>
+          <a:lstStyle/>
+          <a:p>
+            <a:endParaRPr lang="nl-NL" dirty="0"/>
+          </a:p>
+        </p:txBody>
+      </p:sp>
+      <p:sp>
+        <p:nvSpPr>
+          <p:cNvPr id="3" name="Content Placeholder 2">
+            <a:extLst>
+              <a:ext uri="{FF2B5EF4-FFF2-40B4-BE49-F238E27FC236}">
+                <a16:creationId xmlns:a16="http://schemas.microsoft.com/office/drawing/2014/main" id="{39DE8E62-E349-4FAC-AC22-7E063D842504}"/>
+              </a:ext>
+            </a:extLst>
+          </p:cNvPr>
+          <p:cNvSpPr>
+            <a:spLocks noGrp="1"/>
+          </p:cNvSpPr>
+          <p:nvPr>
+            <p:ph idx="1"/>
+          </p:nvPr>
+        </p:nvSpPr>
+        <p:spPr>
+          <a:xfrm>
+            <a:off x="1371600" y="1897039"/>
+            <a:ext cx="5311833" cy="3970361"/>
+          </a:xfrm>
+        </p:spPr>
+        <p:txBody>
+          <a:bodyPr/>
+          <a:lstStyle/>
+          <a:p>
+            <a:endParaRPr lang="nl-NL"/>
+          </a:p>
+        </p:txBody>
+      </p:sp>
+      <p:pic>
+        <p:nvPicPr>
+          <p:cNvPr id="4" name="Picture 3">
+            <a:extLst>
+              <a:ext uri="{FF2B5EF4-FFF2-40B4-BE49-F238E27FC236}">
+                <a16:creationId xmlns:a16="http://schemas.microsoft.com/office/drawing/2014/main" id="{553AD8A9-86F0-44D6-A367-4707FE0F288E}"/>
+              </a:ext>
+            </a:extLst>
+          </p:cNvPr>
+          <p:cNvPicPr>
+            <a:picLocks noChangeAspect="1"/>
+          </p:cNvPicPr>
+          <p:nvPr/>
+        </p:nvPicPr>
+        <p:blipFill>
+          <a:blip r:embed="rId2"/>
+          <a:stretch>
+            <a:fillRect/>
+          </a:stretch>
+        </p:blipFill>
+        <p:spPr>
+          <a:xfrm>
+            <a:off x="6866337" y="638876"/>
+            <a:ext cx="4644256" cy="5247747"/>
+          </a:xfrm>
+          <a:prstGeom prst="rect">
+            <a:avLst/>
+          </a:prstGeom>
+        </p:spPr>
+      </p:pic>
+    </p:spTree>
+    <p:extLst>
+      <p:ext uri="{BB962C8B-B14F-4D97-AF65-F5344CB8AC3E}">
+        <p14:creationId xmlns:p14="http://schemas.microsoft.com/office/powerpoint/2010/main" val="2836034560"/>
+      </p:ext>
+    </p:extLst>
+  </p:cSld>
+  <p:clrMapOvr>
+    <a:masterClrMapping/>
+  </p:clrMapOvr>
+</p:sld>
+</file>
+
+<file path=ppt/slides/slide5.xml><?xml version="1.0" encoding="utf-8"?>
 <p:sld xmlns:a="http://schemas.openxmlformats.org/drawingml/2006/main" xmlns:r="http://schemas.openxmlformats.org/officeDocument/2006/relationships" xmlns:p="http://schemas.openxmlformats.org/presentationml/2006/main">
   <p:cSld>
     <p:spTree>
